--- a/Presentazione Veicolo Radiocomandato.pptx
+++ b/Presentazione Veicolo Radiocomandato.pptx
@@ -108,7 +108,199 @@
       </a:defRPr>
     </a:lvl9pPr>
   </p:defaultTextStyle>
+  <p:extLst>
+    <p:ext uri="{EFAFB233-063F-42B5-8137-9DF3F51BA10A}">
+      <p15:sldGuideLst xmlns:p15="http://schemas.microsoft.com/office/powerpoint/2012/main"/>
+    </p:ext>
+  </p:extLst>
 </p:presentation>
+</file>
+
+<file path=ppt/revisionInfo.xml><?xml version="1.0" encoding="utf-8"?>
+<p1510:revInfo xmlns:a="http://schemas.openxmlformats.org/drawingml/2006/main" xmlns:r="http://schemas.openxmlformats.org/officeDocument/2006/relationships" xmlns:p1510="http://schemas.microsoft.com/office/powerpoint/2015/10/main">
+  <p1510:revLst>
+    <p1510:client id="{A89AE03A-FFF6-4E85-8C0D-FCDD9C8415E5}" v="23" dt="2024-03-06T11:23:51.551"/>
+  </p1510:revLst>
+</p1510:revInfo>
+</file>
+
+<file path=ppt/changesInfos/changesInfo1.xml><?xml version="1.0" encoding="utf-8"?>
+<pc:chgInfo xmlns:a="http://schemas.openxmlformats.org/drawingml/2006/main" xmlns:r="http://schemas.openxmlformats.org/officeDocument/2006/relationships" xmlns:ac="http://schemas.microsoft.com/office/drawing/2013/main/command" xmlns:pc="http://schemas.microsoft.com/office/powerpoint/2013/main/command">
+  <pc:docChgLst>
+    <pc:chgData name="Lorenzo Mirabella" userId="4767b6b877c50f4f" providerId="LiveId" clId="{A89AE03A-FFF6-4E85-8C0D-FCDD9C8415E5}"/>
+    <pc:docChg chg="undo custSel modSld">
+      <pc:chgData name="Lorenzo Mirabella" userId="4767b6b877c50f4f" providerId="LiveId" clId="{A89AE03A-FFF6-4E85-8C0D-FCDD9C8415E5}" dt="2024-03-06T11:23:51.551" v="89" actId="12269"/>
+      <pc:docMkLst>
+        <pc:docMk/>
+      </pc:docMkLst>
+      <pc:sldChg chg="modSp mod">
+        <pc:chgData name="Lorenzo Mirabella" userId="4767b6b877c50f4f" providerId="LiveId" clId="{A89AE03A-FFF6-4E85-8C0D-FCDD9C8415E5}" dt="2024-03-06T11:18:24.831" v="5" actId="27636"/>
+        <pc:sldMkLst>
+          <pc:docMk/>
+          <pc:sldMk cId="2306050228" sldId="258"/>
+        </pc:sldMkLst>
+        <pc:spChg chg="mod">
+          <ac:chgData name="Lorenzo Mirabella" userId="4767b6b877c50f4f" providerId="LiveId" clId="{A89AE03A-FFF6-4E85-8C0D-FCDD9C8415E5}" dt="2024-03-06T11:18:24.831" v="5" actId="27636"/>
+          <ac:spMkLst>
+            <pc:docMk/>
+            <pc:sldMk cId="2306050228" sldId="258"/>
+            <ac:spMk id="3" creationId="{80F9C45A-02FF-32FC-3934-511D13C46743}"/>
+          </ac:spMkLst>
+        </pc:spChg>
+      </pc:sldChg>
+      <pc:sldChg chg="modSp mod">
+        <pc:chgData name="Lorenzo Mirabella" userId="4767b6b877c50f4f" providerId="LiveId" clId="{A89AE03A-FFF6-4E85-8C0D-FCDD9C8415E5}" dt="2024-03-06T11:18:42.929" v="8" actId="14100"/>
+        <pc:sldMkLst>
+          <pc:docMk/>
+          <pc:sldMk cId="3251753917" sldId="259"/>
+        </pc:sldMkLst>
+        <pc:spChg chg="mod">
+          <ac:chgData name="Lorenzo Mirabella" userId="4767b6b877c50f4f" providerId="LiveId" clId="{A89AE03A-FFF6-4E85-8C0D-FCDD9C8415E5}" dt="2024-03-06T11:18:42.929" v="8" actId="14100"/>
+          <ac:spMkLst>
+            <pc:docMk/>
+            <pc:sldMk cId="3251753917" sldId="259"/>
+            <ac:spMk id="16" creationId="{7306CFCA-1D76-D327-DC47-81024A42CEAF}"/>
+          </ac:spMkLst>
+        </pc:spChg>
+      </pc:sldChg>
+      <pc:sldChg chg="addSp delSp modSp mod setBg">
+        <pc:chgData name="Lorenzo Mirabella" userId="4767b6b877c50f4f" providerId="LiveId" clId="{A89AE03A-FFF6-4E85-8C0D-FCDD9C8415E5}" dt="2024-03-06T11:23:51.551" v="89" actId="12269"/>
+        <pc:sldMkLst>
+          <pc:docMk/>
+          <pc:sldMk cId="1720982718" sldId="260"/>
+        </pc:sldMkLst>
+        <pc:spChg chg="mod">
+          <ac:chgData name="Lorenzo Mirabella" userId="4767b6b877c50f4f" providerId="LiveId" clId="{A89AE03A-FFF6-4E85-8C0D-FCDD9C8415E5}" dt="2024-03-06T11:23:32.234" v="85" actId="1076"/>
+          <ac:spMkLst>
+            <pc:docMk/>
+            <pc:sldMk cId="1720982718" sldId="260"/>
+            <ac:spMk id="2" creationId="{FF9649B7-43D0-E032-3D4C-38D52F0E90A5}"/>
+          </ac:spMkLst>
+        </pc:spChg>
+        <pc:spChg chg="add mod">
+          <ac:chgData name="Lorenzo Mirabella" userId="4767b6b877c50f4f" providerId="LiveId" clId="{A89AE03A-FFF6-4E85-8C0D-FCDD9C8415E5}" dt="2024-03-06T11:21:57.426" v="62" actId="767"/>
+          <ac:spMkLst>
+            <pc:docMk/>
+            <pc:sldMk cId="1720982718" sldId="260"/>
+            <ac:spMk id="3" creationId="{57B0AECC-B5ED-375C-AB13-C25C3B0D6CD8}"/>
+          </ac:spMkLst>
+        </pc:spChg>
+        <pc:spChg chg="add del">
+          <ac:chgData name="Lorenzo Mirabella" userId="4767b6b877c50f4f" providerId="LiveId" clId="{A89AE03A-FFF6-4E85-8C0D-FCDD9C8415E5}" dt="2024-03-06T11:20:33.366" v="37" actId="26606"/>
+          <ac:spMkLst>
+            <pc:docMk/>
+            <pc:sldMk cId="1720982718" sldId="260"/>
+            <ac:spMk id="10" creationId="{358B6E23-8493-4A0F-9409-1BB1B3567C13}"/>
+          </ac:spMkLst>
+        </pc:spChg>
+        <pc:spChg chg="add del">
+          <ac:chgData name="Lorenzo Mirabella" userId="4767b6b877c50f4f" providerId="LiveId" clId="{A89AE03A-FFF6-4E85-8C0D-FCDD9C8415E5}" dt="2024-03-06T11:20:33.366" v="37" actId="26606"/>
+          <ac:spMkLst>
+            <pc:docMk/>
+            <pc:sldMk cId="1720982718" sldId="260"/>
+            <ac:spMk id="12" creationId="{C99238EC-3EDA-4FF6-9F43-081294A93FF3}"/>
+          </ac:spMkLst>
+        </pc:spChg>
+        <pc:spChg chg="add del">
+          <ac:chgData name="Lorenzo Mirabella" userId="4767b6b877c50f4f" providerId="LiveId" clId="{A89AE03A-FFF6-4E85-8C0D-FCDD9C8415E5}" dt="2024-03-06T11:20:33.366" v="37" actId="26606"/>
+          <ac:spMkLst>
+            <pc:docMk/>
+            <pc:sldMk cId="1720982718" sldId="260"/>
+            <ac:spMk id="14" creationId="{F4993D4D-98B3-40A7-986E-15AB6E63139C}"/>
+          </ac:spMkLst>
+        </pc:spChg>
+        <pc:spChg chg="add del">
+          <ac:chgData name="Lorenzo Mirabella" userId="4767b6b877c50f4f" providerId="LiveId" clId="{A89AE03A-FFF6-4E85-8C0D-FCDD9C8415E5}" dt="2024-03-06T11:20:37.766" v="39" actId="26606"/>
+          <ac:spMkLst>
+            <pc:docMk/>
+            <pc:sldMk cId="1720982718" sldId="260"/>
+            <ac:spMk id="16" creationId="{84136905-015B-4510-B514-027CBA846BD6}"/>
+          </ac:spMkLst>
+        </pc:spChg>
+        <pc:spChg chg="add del">
+          <ac:chgData name="Lorenzo Mirabella" userId="4767b6b877c50f4f" providerId="LiveId" clId="{A89AE03A-FFF6-4E85-8C0D-FCDD9C8415E5}" dt="2024-03-06T11:20:37.766" v="39" actId="26606"/>
+          <ac:spMkLst>
+            <pc:docMk/>
+            <pc:sldMk cId="1720982718" sldId="260"/>
+            <ac:spMk id="17" creationId="{36CD0F97-2E5B-4E84-8544-EB24DED10446}"/>
+          </ac:spMkLst>
+        </pc:spChg>
+        <pc:spChg chg="add del">
+          <ac:chgData name="Lorenzo Mirabella" userId="4767b6b877c50f4f" providerId="LiveId" clId="{A89AE03A-FFF6-4E85-8C0D-FCDD9C8415E5}" dt="2024-03-06T11:20:37.766" v="39" actId="26606"/>
+          <ac:spMkLst>
+            <pc:docMk/>
+            <pc:sldMk cId="1720982718" sldId="260"/>
+            <ac:spMk id="18" creationId="{3B272257-593A-402F-88FA-F1DECD9E3FC4}"/>
+          </ac:spMkLst>
+        </pc:spChg>
+        <pc:spChg chg="add del">
+          <ac:chgData name="Lorenzo Mirabella" userId="4767b6b877c50f4f" providerId="LiveId" clId="{A89AE03A-FFF6-4E85-8C0D-FCDD9C8415E5}" dt="2024-03-06T11:20:39.252" v="41" actId="26606"/>
+          <ac:spMkLst>
+            <pc:docMk/>
+            <pc:sldMk cId="1720982718" sldId="260"/>
+            <ac:spMk id="20" creationId="{4B9142F6-DB97-45E1-995D-D4D206E093DC}"/>
+          </ac:spMkLst>
+        </pc:spChg>
+        <pc:spChg chg="add del">
+          <ac:chgData name="Lorenzo Mirabella" userId="4767b6b877c50f4f" providerId="LiveId" clId="{A89AE03A-FFF6-4E85-8C0D-FCDD9C8415E5}" dt="2024-03-06T11:20:42.435" v="43" actId="26606"/>
+          <ac:spMkLst>
+            <pc:docMk/>
+            <pc:sldMk cId="1720982718" sldId="260"/>
+            <ac:spMk id="22" creationId="{358B6E23-8493-4A0F-9409-1BB1B3567C13}"/>
+          </ac:spMkLst>
+        </pc:spChg>
+        <pc:spChg chg="add del">
+          <ac:chgData name="Lorenzo Mirabella" userId="4767b6b877c50f4f" providerId="LiveId" clId="{A89AE03A-FFF6-4E85-8C0D-FCDD9C8415E5}" dt="2024-03-06T11:20:42.435" v="43" actId="26606"/>
+          <ac:spMkLst>
+            <pc:docMk/>
+            <pc:sldMk cId="1720982718" sldId="260"/>
+            <ac:spMk id="23" creationId="{BCA13E58-8815-49D6-A4E6-B48C5A2C67A1}"/>
+          </ac:spMkLst>
+        </pc:spChg>
+        <pc:spChg chg="add del">
+          <ac:chgData name="Lorenzo Mirabella" userId="4767b6b877c50f4f" providerId="LiveId" clId="{A89AE03A-FFF6-4E85-8C0D-FCDD9C8415E5}" dt="2024-03-06T11:20:42.435" v="43" actId="26606"/>
+          <ac:spMkLst>
+            <pc:docMk/>
+            <pc:sldMk cId="1720982718" sldId="260"/>
+            <ac:spMk id="24" creationId="{C7167181-512C-48A0-BDD5-1D8EFF39617E}"/>
+          </ac:spMkLst>
+        </pc:spChg>
+        <pc:spChg chg="add del">
+          <ac:chgData name="Lorenzo Mirabella" userId="4767b6b877c50f4f" providerId="LiveId" clId="{A89AE03A-FFF6-4E85-8C0D-FCDD9C8415E5}" dt="2024-03-06T11:21:57.412" v="60" actId="26606"/>
+          <ac:spMkLst>
+            <pc:docMk/>
+            <pc:sldMk cId="1720982718" sldId="260"/>
+            <ac:spMk id="26" creationId="{358B6E23-8493-4A0F-9409-1BB1B3567C13}"/>
+          </ac:spMkLst>
+        </pc:spChg>
+        <pc:spChg chg="add del">
+          <ac:chgData name="Lorenzo Mirabella" userId="4767b6b877c50f4f" providerId="LiveId" clId="{A89AE03A-FFF6-4E85-8C0D-FCDD9C8415E5}" dt="2024-03-06T11:21:57.412" v="60" actId="26606"/>
+          <ac:spMkLst>
+            <pc:docMk/>
+            <pc:sldMk cId="1720982718" sldId="260"/>
+            <ac:spMk id="27" creationId="{C99238EC-3EDA-4FF6-9F43-081294A93FF3}"/>
+          </ac:spMkLst>
+        </pc:spChg>
+        <pc:spChg chg="add del">
+          <ac:chgData name="Lorenzo Mirabella" userId="4767b6b877c50f4f" providerId="LiveId" clId="{A89AE03A-FFF6-4E85-8C0D-FCDD9C8415E5}" dt="2024-03-06T11:21:57.412" v="60" actId="26606"/>
+          <ac:spMkLst>
+            <pc:docMk/>
+            <pc:sldMk cId="1720982718" sldId="260"/>
+            <ac:spMk id="28" creationId="{F4993D4D-98B3-40A7-986E-15AB6E63139C}"/>
+          </ac:spMkLst>
+        </pc:spChg>
+        <pc:graphicFrameChg chg="mod modGraphic">
+          <ac:chgData name="Lorenzo Mirabella" userId="4767b6b877c50f4f" providerId="LiveId" clId="{A89AE03A-FFF6-4E85-8C0D-FCDD9C8415E5}" dt="2024-03-06T11:23:51.551" v="89" actId="12269"/>
+          <ac:graphicFrameMkLst>
+            <pc:docMk/>
+            <pc:sldMk cId="1720982718" sldId="260"/>
+            <ac:graphicFrameMk id="5" creationId="{02409DCC-3B36-78EA-DB11-D40A4C33A854}"/>
+          </ac:graphicFrameMkLst>
+        </pc:graphicFrameChg>
+      </pc:sldChg>
+    </pc:docChg>
+  </pc:docChgLst>
+</pc:chgInfo>
 </file>
 
 <file path=ppt/diagrams/colors1.xml><?xml version="1.0" encoding="utf-8"?>
@@ -862,44 +1054,7 @@
 <dgm:dataModel xmlns:dgm="http://schemas.openxmlformats.org/drawingml/2006/diagram" xmlns:a="http://schemas.openxmlformats.org/drawingml/2006/main">
   <dgm:ptLst>
     <dgm:pt modelId="{B0B05715-DA21-49F5-AA93-EB6247A1ED72}" type="doc">
-      <dgm:prSet loTypeId="urn:microsoft.com/office/officeart/2005/8/layout/vList2" loCatId="list" qsTypeId="urn:microsoft.com/office/officeart/2005/8/quickstyle/simple1" qsCatId="simple" csTypeId="urn:microsoft.com/office/officeart/2005/8/colors/accent1_2" csCatId="accent1"/>
-      <dgm:spPr/>
-      <dgm:t>
-        <a:bodyPr/>
-        <a:lstStyle/>
-        <a:p>
-          <a:endParaRPr lang="en-US"/>
-        </a:p>
-      </dgm:t>
-    </dgm:pt>
-    <dgm:pt modelId="{9C6D9274-901F-4FE4-B0B1-C6AD0EEEE19E}">
-      <dgm:prSet/>
-      <dgm:spPr/>
-      <dgm:t>
-        <a:bodyPr/>
-        <a:lstStyle/>
-        <a:p>
-          <a:r>
-            <a:rPr lang="it-IT"/>
-            <a:t>I pattern utilizzati sono due:</a:t>
-          </a:r>
-          <a:endParaRPr lang="en-US"/>
-        </a:p>
-      </dgm:t>
-    </dgm:pt>
-    <dgm:pt modelId="{CDDFDCF6-6B7F-433A-B39B-7B08F16CD309}" type="parTrans" cxnId="{695CC9F4-6EA1-466E-842D-C8341A87D466}">
-      <dgm:prSet/>
-      <dgm:spPr/>
-      <dgm:t>
-        <a:bodyPr/>
-        <a:lstStyle/>
-        <a:p>
-          <a:endParaRPr lang="en-US"/>
-        </a:p>
-      </dgm:t>
-    </dgm:pt>
-    <dgm:pt modelId="{2A3BDE5A-1589-4B01-A59B-BF43BCAF2A92}" type="sibTrans" cxnId="{695CC9F4-6EA1-466E-842D-C8341A87D466}">
-      <dgm:prSet/>
+      <dgm:prSet loTypeId="urn:microsoft.com/office/officeart/2005/8/layout/vList2" loCatId="list" qsTypeId="urn:microsoft.com/office/officeart/2005/8/quickstyle/simple2" qsCatId="simple" csTypeId="urn:microsoft.com/office/officeart/2005/8/colors/accent1_2" csCatId="accent1" phldr="1"/>
       <dgm:spPr/>
       <dgm:t>
         <a:bodyPr/>
@@ -910,17 +1065,17 @@
       </dgm:t>
     </dgm:pt>
     <dgm:pt modelId="{381BBC12-0A9B-49AD-BC68-CDC3DE839156}">
-      <dgm:prSet/>
+      <dgm:prSet custT="1"/>
       <dgm:spPr/>
       <dgm:t>
         <a:bodyPr/>
         <a:lstStyle/>
         <a:p>
           <a:r>
-            <a:rPr lang="it-IT"/>
+            <a:rPr lang="it-IT" sz="2400" dirty="0"/>
             <a:t>Factory Pattern </a:t>
           </a:r>
-          <a:endParaRPr lang="en-US"/>
+          <a:endParaRPr lang="en-US" sz="2400" dirty="0"/>
         </a:p>
       </dgm:t>
     </dgm:pt>
@@ -947,17 +1102,17 @@
       </dgm:t>
     </dgm:pt>
     <dgm:pt modelId="{B023D33A-E06B-4E24-912D-43B92A89D03B}">
-      <dgm:prSet/>
+      <dgm:prSet custT="1"/>
       <dgm:spPr/>
       <dgm:t>
         <a:bodyPr/>
         <a:lstStyle/>
         <a:p>
           <a:r>
-            <a:rPr lang="it-IT"/>
+            <a:rPr lang="it-IT" sz="2000" dirty="0"/>
             <a:t>Il Factory Pattern è stato implementato due volte. </a:t>
           </a:r>
-          <a:endParaRPr lang="en-US"/>
+          <a:endParaRPr lang="en-US" sz="2000" dirty="0"/>
         </a:p>
       </dgm:t>
     </dgm:pt>
@@ -984,17 +1139,17 @@
       </dgm:t>
     </dgm:pt>
     <dgm:pt modelId="{CC31F15A-6DE0-4CE7-ABD9-E65D49C5057B}">
-      <dgm:prSet/>
+      <dgm:prSet custT="1"/>
       <dgm:spPr/>
       <dgm:t>
         <a:bodyPr/>
         <a:lstStyle/>
         <a:p>
           <a:r>
-            <a:rPr lang="it-IT"/>
+            <a:rPr lang="it-IT" sz="2000" dirty="0"/>
             <a:t>La prima volta debolmente all’interno del package Veicolo per garantire in modo estendibile la creazione di veicoli diversi con caratteristiche diverse.</a:t>
           </a:r>
-          <a:endParaRPr lang="en-US"/>
+          <a:endParaRPr lang="en-US" sz="2000" dirty="0"/>
         </a:p>
       </dgm:t>
     </dgm:pt>
@@ -1021,17 +1176,25 @@
       </dgm:t>
     </dgm:pt>
     <dgm:pt modelId="{745A6E5E-0704-4EE2-8365-9DEBF1723DED}">
-      <dgm:prSet/>
+      <dgm:prSet custT="1"/>
       <dgm:spPr/>
       <dgm:t>
         <a:bodyPr/>
         <a:lstStyle/>
         <a:p>
           <a:r>
-            <a:rPr lang="it-IT"/>
-            <a:t>La seconda volta è stato implementato in modo completo nella creazione di diversi ostacoli, ognuno con una ImageView diversa.</a:t>
+            <a:rPr lang="it-IT" sz="2000" dirty="0"/>
+            <a:t>La seconda volta è stato implementato in modo completo nella creazione di diversi ostacoli, ognuno con una </a:t>
           </a:r>
-          <a:endParaRPr lang="en-US"/>
+          <a:r>
+            <a:rPr lang="it-IT" sz="2000" dirty="0" err="1"/>
+            <a:t>ImageView</a:t>
+          </a:r>
+          <a:r>
+            <a:rPr lang="it-IT" sz="2000" dirty="0"/>
+            <a:t> diversa.</a:t>
+          </a:r>
+          <a:endParaRPr lang="en-US" sz="2000" dirty="0"/>
         </a:p>
       </dgm:t>
     </dgm:pt>
@@ -1058,17 +1221,17 @@
       </dgm:t>
     </dgm:pt>
     <dgm:pt modelId="{6211BEA3-6187-447D-9D5F-2FD30AC393CB}">
-      <dgm:prSet/>
+      <dgm:prSet custT="1"/>
       <dgm:spPr/>
       <dgm:t>
         <a:bodyPr/>
         <a:lstStyle/>
         <a:p>
           <a:r>
-            <a:rPr lang="it-IT"/>
+            <a:rPr lang="it-IT" sz="2400" dirty="0"/>
             <a:t>Command Pattern </a:t>
           </a:r>
-          <a:endParaRPr lang="en-US"/>
+          <a:endParaRPr lang="en-US" sz="2400" dirty="0"/>
         </a:p>
       </dgm:t>
     </dgm:pt>
@@ -1095,17 +1258,17 @@
       </dgm:t>
     </dgm:pt>
     <dgm:pt modelId="{01E7D150-4007-4973-BCFC-7B111260A97F}">
-      <dgm:prSet/>
+      <dgm:prSet custT="1"/>
       <dgm:spPr/>
       <dgm:t>
         <a:bodyPr/>
         <a:lstStyle/>
         <a:p>
           <a:r>
-            <a:rPr lang="it-IT"/>
+            <a:rPr lang="it-IT" sz="2000" dirty="0"/>
             <a:t>Il Command Pattern è stato utilizzato per separare le operazioni effettuate dal radiocomando in istanze differenti specializzate.</a:t>
           </a:r>
-          <a:endParaRPr lang="en-US"/>
+          <a:endParaRPr lang="en-US" sz="2000" dirty="0"/>
         </a:p>
       </dgm:t>
     </dgm:pt>
@@ -1140,21 +1303,8 @@
       </dgm:prSet>
       <dgm:spPr/>
     </dgm:pt>
-    <dgm:pt modelId="{3DBFD865-13D6-4EB2-B3FE-4FE40F29726B}" type="pres">
-      <dgm:prSet presAssocID="{9C6D9274-901F-4FE4-B0B1-C6AD0EEEE19E}" presName="parentText" presStyleLbl="node1" presStyleIdx="0" presStyleCnt="3">
-        <dgm:presLayoutVars>
-          <dgm:chMax val="0"/>
-          <dgm:bulletEnabled val="1"/>
-        </dgm:presLayoutVars>
-      </dgm:prSet>
-      <dgm:spPr/>
-    </dgm:pt>
-    <dgm:pt modelId="{715D561C-C9A7-4B05-A11B-7D5DFBAD1276}" type="pres">
-      <dgm:prSet presAssocID="{2A3BDE5A-1589-4B01-A59B-BF43BCAF2A92}" presName="spacer" presStyleCnt="0"/>
-      <dgm:spPr/>
-    </dgm:pt>
     <dgm:pt modelId="{05032E4E-3225-453C-986B-7EBC9DD26B39}" type="pres">
-      <dgm:prSet presAssocID="{381BBC12-0A9B-49AD-BC68-CDC3DE839156}" presName="parentText" presStyleLbl="node1" presStyleIdx="1" presStyleCnt="3">
+      <dgm:prSet presAssocID="{381BBC12-0A9B-49AD-BC68-CDC3DE839156}" presName="parentText" presStyleLbl="node1" presStyleIdx="0" presStyleCnt="2">
         <dgm:presLayoutVars>
           <dgm:chMax val="0"/>
           <dgm:bulletEnabled val="1"/>
@@ -1163,7 +1313,7 @@
       <dgm:spPr/>
     </dgm:pt>
     <dgm:pt modelId="{DECC94AB-1CD8-4C57-B96F-137966AA4EB4}" type="pres">
-      <dgm:prSet presAssocID="{381BBC12-0A9B-49AD-BC68-CDC3DE839156}" presName="childText" presStyleLbl="revTx" presStyleIdx="0" presStyleCnt="2">
+      <dgm:prSet presAssocID="{381BBC12-0A9B-49AD-BC68-CDC3DE839156}" presName="childText" presStyleLbl="revTx" presStyleIdx="0" presStyleCnt="2" custScaleY="382962">
         <dgm:presLayoutVars>
           <dgm:bulletEnabled val="1"/>
         </dgm:presLayoutVars>
@@ -1171,7 +1321,7 @@
       <dgm:spPr/>
     </dgm:pt>
     <dgm:pt modelId="{201254A2-77AB-48AF-ABBB-7F317F7155B1}" type="pres">
-      <dgm:prSet presAssocID="{6211BEA3-6187-447D-9D5F-2FD30AC393CB}" presName="parentText" presStyleLbl="node1" presStyleIdx="2" presStyleCnt="3">
+      <dgm:prSet presAssocID="{6211BEA3-6187-447D-9D5F-2FD30AC393CB}" presName="parentText" presStyleLbl="node1" presStyleIdx="1" presStyleCnt="2">
         <dgm:presLayoutVars>
           <dgm:chMax val="0"/>
           <dgm:bulletEnabled val="1"/>
@@ -1180,7 +1330,7 @@
       <dgm:spPr/>
     </dgm:pt>
     <dgm:pt modelId="{B2D44EAB-EBFF-478A-B03E-385FB6111ADE}" type="pres">
-      <dgm:prSet presAssocID="{6211BEA3-6187-447D-9D5F-2FD30AC393CB}" presName="childText" presStyleLbl="revTx" presStyleIdx="1" presStyleCnt="2">
+      <dgm:prSet presAssocID="{6211BEA3-6187-447D-9D5F-2FD30AC393CB}" presName="childText" presStyleLbl="revTx" presStyleIdx="1" presStyleCnt="2" custScaleY="257367">
         <dgm:presLayoutVars>
           <dgm:bulletEnabled val="1"/>
         </dgm:presLayoutVars>
@@ -1189,27 +1339,23 @@
     </dgm:pt>
   </dgm:ptLst>
   <dgm:cxnLst>
-    <dgm:cxn modelId="{18EC420D-ABF1-4CF7-BD4D-3F44EE1AA260}" type="presOf" srcId="{01E7D150-4007-4973-BCFC-7B111260A97F}" destId="{B2D44EAB-EBFF-478A-B03E-385FB6111ADE}" srcOrd="0" destOrd="0" presId="urn:microsoft.com/office/officeart/2005/8/layout/vList2"/>
-    <dgm:cxn modelId="{06D9A80E-B009-40AF-B13F-52019A5A281D}" srcId="{B0B05715-DA21-49F5-AA93-EB6247A1ED72}" destId="{6211BEA3-6187-447D-9D5F-2FD30AC393CB}" srcOrd="2" destOrd="0" parTransId="{ECA4D223-BDE4-472B-8640-BC4F743FCC2A}" sibTransId="{057F9593-84A8-480A-9527-EF59389DD05E}"/>
-    <dgm:cxn modelId="{FCE4591A-72E4-4F1A-9DE3-8F83F946D290}" type="presOf" srcId="{6211BEA3-6187-447D-9D5F-2FD30AC393CB}" destId="{201254A2-77AB-48AF-ABBB-7F317F7155B1}" srcOrd="0" destOrd="0" presId="urn:microsoft.com/office/officeart/2005/8/layout/vList2"/>
+    <dgm:cxn modelId="{06D9A80E-B009-40AF-B13F-52019A5A281D}" srcId="{B0B05715-DA21-49F5-AA93-EB6247A1ED72}" destId="{6211BEA3-6187-447D-9D5F-2FD30AC393CB}" srcOrd="1" destOrd="0" parTransId="{ECA4D223-BDE4-472B-8640-BC4F743FCC2A}" sibTransId="{057F9593-84A8-480A-9527-EF59389DD05E}"/>
+    <dgm:cxn modelId="{63CFB020-C97B-40AC-9F56-DF1F82208F27}" type="presOf" srcId="{01E7D150-4007-4973-BCFC-7B111260A97F}" destId="{B2D44EAB-EBFF-478A-B03E-385FB6111ADE}" srcOrd="0" destOrd="0" presId="urn:microsoft.com/office/officeart/2005/8/layout/vList2"/>
     <dgm:cxn modelId="{8FF93E24-62B8-45F6-868A-D9CEBA90AC61}" srcId="{6211BEA3-6187-447D-9D5F-2FD30AC393CB}" destId="{01E7D150-4007-4973-BCFC-7B111260A97F}" srcOrd="0" destOrd="0" parTransId="{6719F809-86BD-4599-B025-DDAE89693159}" sibTransId="{FAF4DEF3-F5F9-4335-963B-C325493C2E55}"/>
-    <dgm:cxn modelId="{9CDE7428-4EE4-42EE-8D66-717916160FFE}" type="presOf" srcId="{381BBC12-0A9B-49AD-BC68-CDC3DE839156}" destId="{05032E4E-3225-453C-986B-7EBC9DD26B39}" srcOrd="0" destOrd="0" presId="urn:microsoft.com/office/officeart/2005/8/layout/vList2"/>
+    <dgm:cxn modelId="{6A98D428-E153-4450-AE22-F84A72E08BA7}" type="presOf" srcId="{745A6E5E-0704-4EE2-8365-9DEBF1723DED}" destId="{DECC94AB-1CD8-4C57-B96F-137966AA4EB4}" srcOrd="0" destOrd="2" presId="urn:microsoft.com/office/officeart/2005/8/layout/vList2"/>
+    <dgm:cxn modelId="{E133942A-B013-4481-9938-2B0F8302A9A1}" type="presOf" srcId="{CC31F15A-6DE0-4CE7-ABD9-E65D49C5057B}" destId="{DECC94AB-1CD8-4C57-B96F-137966AA4EB4}" srcOrd="0" destOrd="1" presId="urn:microsoft.com/office/officeart/2005/8/layout/vList2"/>
     <dgm:cxn modelId="{E9F3E831-0960-4812-8C43-99C5638824F9}" srcId="{B023D33A-E06B-4E24-912D-43B92A89D03B}" destId="{745A6E5E-0704-4EE2-8365-9DEBF1723DED}" srcOrd="1" destOrd="0" parTransId="{E26AB32A-1D77-4218-B098-BAF5C9EEA26D}" sibTransId="{9B50A6AB-7E95-4C0C-B70F-8AC2540068FB}"/>
-    <dgm:cxn modelId="{23E8113C-9827-443F-AA82-A4B01EA2494A}" type="presOf" srcId="{B0B05715-DA21-49F5-AA93-EB6247A1ED72}" destId="{630D7153-60C4-4804-9A8E-5ACEBDD61B92}" srcOrd="0" destOrd="0" presId="urn:microsoft.com/office/officeart/2005/8/layout/vList2"/>
-    <dgm:cxn modelId="{31D32D48-36E4-4ED1-BBBE-616F9B0D216E}" srcId="{B0B05715-DA21-49F5-AA93-EB6247A1ED72}" destId="{381BBC12-0A9B-49AD-BC68-CDC3DE839156}" srcOrd="1" destOrd="0" parTransId="{FBD862C7-DE4A-42AC-95CC-C2E0C5A22E25}" sibTransId="{95638309-1E8D-45DB-828F-3F452FA27A6F}"/>
+    <dgm:cxn modelId="{4A67965F-40FB-4813-8D24-F7C6DD0FF78D}" type="presOf" srcId="{B0B05715-DA21-49F5-AA93-EB6247A1ED72}" destId="{630D7153-60C4-4804-9A8E-5ACEBDD61B92}" srcOrd="0" destOrd="0" presId="urn:microsoft.com/office/officeart/2005/8/layout/vList2"/>
+    <dgm:cxn modelId="{9C690346-9CC0-4581-8075-5337F45DD998}" type="presOf" srcId="{6211BEA3-6187-447D-9D5F-2FD30AC393CB}" destId="{201254A2-77AB-48AF-ABBB-7F317F7155B1}" srcOrd="0" destOrd="0" presId="urn:microsoft.com/office/officeart/2005/8/layout/vList2"/>
+    <dgm:cxn modelId="{AF1F7C66-1D98-4BED-946A-17AFA49DC7B9}" type="presOf" srcId="{B023D33A-E06B-4E24-912D-43B92A89D03B}" destId="{DECC94AB-1CD8-4C57-B96F-137966AA4EB4}" srcOrd="0" destOrd="0" presId="urn:microsoft.com/office/officeart/2005/8/layout/vList2"/>
+    <dgm:cxn modelId="{31D32D48-36E4-4ED1-BBBE-616F9B0D216E}" srcId="{B0B05715-DA21-49F5-AA93-EB6247A1ED72}" destId="{381BBC12-0A9B-49AD-BC68-CDC3DE839156}" srcOrd="0" destOrd="0" parTransId="{FBD862C7-DE4A-42AC-95CC-C2E0C5A22E25}" sibTransId="{95638309-1E8D-45DB-828F-3F452FA27A6F}"/>
     <dgm:cxn modelId="{AF22ED70-1F23-4710-98B5-8936016C3703}" srcId="{B023D33A-E06B-4E24-912D-43B92A89D03B}" destId="{CC31F15A-6DE0-4CE7-ABD9-E65D49C5057B}" srcOrd="0" destOrd="0" parTransId="{CE096FD9-7876-465A-A63D-F174DD37A6C0}" sibTransId="{15C8345B-343A-4930-88F7-0769DB98D12B}"/>
-    <dgm:cxn modelId="{45B26B75-5335-4F70-96C3-73FECD19EF6F}" type="presOf" srcId="{CC31F15A-6DE0-4CE7-ABD9-E65D49C5057B}" destId="{DECC94AB-1CD8-4C57-B96F-137966AA4EB4}" srcOrd="0" destOrd="1" presId="urn:microsoft.com/office/officeart/2005/8/layout/vList2"/>
-    <dgm:cxn modelId="{51361697-9651-4719-B753-98751DF2F5ED}" type="presOf" srcId="{B023D33A-E06B-4E24-912D-43B92A89D03B}" destId="{DECC94AB-1CD8-4C57-B96F-137966AA4EB4}" srcOrd="0" destOrd="0" presId="urn:microsoft.com/office/officeart/2005/8/layout/vList2"/>
-    <dgm:cxn modelId="{4B56B1CA-56A1-48F9-9D30-845F584AEEDD}" type="presOf" srcId="{9C6D9274-901F-4FE4-B0B1-C6AD0EEEE19E}" destId="{3DBFD865-13D6-4EB2-B3FE-4FE40F29726B}" srcOrd="0" destOrd="0" presId="urn:microsoft.com/office/officeart/2005/8/layout/vList2"/>
-    <dgm:cxn modelId="{CC67D2D4-820C-4444-B86D-00BE178AAB23}" type="presOf" srcId="{745A6E5E-0704-4EE2-8365-9DEBF1723DED}" destId="{DECC94AB-1CD8-4C57-B96F-137966AA4EB4}" srcOrd="0" destOrd="2" presId="urn:microsoft.com/office/officeart/2005/8/layout/vList2"/>
-    <dgm:cxn modelId="{695CC9F4-6EA1-466E-842D-C8341A87D466}" srcId="{B0B05715-DA21-49F5-AA93-EB6247A1ED72}" destId="{9C6D9274-901F-4FE4-B0B1-C6AD0EEEE19E}" srcOrd="0" destOrd="0" parTransId="{CDDFDCF6-6B7F-433A-B39B-7B08F16CD309}" sibTransId="{2A3BDE5A-1589-4B01-A59B-BF43BCAF2A92}"/>
+    <dgm:cxn modelId="{446D3BC3-3134-426C-A0C2-D1C2BE8E6339}" type="presOf" srcId="{381BBC12-0A9B-49AD-BC68-CDC3DE839156}" destId="{05032E4E-3225-453C-986B-7EBC9DD26B39}" srcOrd="0" destOrd="0" presId="urn:microsoft.com/office/officeart/2005/8/layout/vList2"/>
     <dgm:cxn modelId="{62F62EFC-4896-4A84-9930-EBF3BE788BFF}" srcId="{381BBC12-0A9B-49AD-BC68-CDC3DE839156}" destId="{B023D33A-E06B-4E24-912D-43B92A89D03B}" srcOrd="0" destOrd="0" parTransId="{99D3623A-948B-482F-9173-F997F8FB6911}" sibTransId="{97519B08-5C8D-41FC-902D-8735FE01D9E3}"/>
-    <dgm:cxn modelId="{6D0681FF-7EFB-40FB-8701-1BA27DFD46FB}" type="presParOf" srcId="{630D7153-60C4-4804-9A8E-5ACEBDD61B92}" destId="{3DBFD865-13D6-4EB2-B3FE-4FE40F29726B}" srcOrd="0" destOrd="0" presId="urn:microsoft.com/office/officeart/2005/8/layout/vList2"/>
-    <dgm:cxn modelId="{CF99B4F4-89A8-493D-9615-E57ED77BD198}" type="presParOf" srcId="{630D7153-60C4-4804-9A8E-5ACEBDD61B92}" destId="{715D561C-C9A7-4B05-A11B-7D5DFBAD1276}" srcOrd="1" destOrd="0" presId="urn:microsoft.com/office/officeart/2005/8/layout/vList2"/>
-    <dgm:cxn modelId="{4D3AFDCE-1097-48F9-A454-C320866589D4}" type="presParOf" srcId="{630D7153-60C4-4804-9A8E-5ACEBDD61B92}" destId="{05032E4E-3225-453C-986B-7EBC9DD26B39}" srcOrd="2" destOrd="0" presId="urn:microsoft.com/office/officeart/2005/8/layout/vList2"/>
-    <dgm:cxn modelId="{5F682EBD-C5A6-48FD-BBC4-3FCDDD24A1D1}" type="presParOf" srcId="{630D7153-60C4-4804-9A8E-5ACEBDD61B92}" destId="{DECC94AB-1CD8-4C57-B96F-137966AA4EB4}" srcOrd="3" destOrd="0" presId="urn:microsoft.com/office/officeart/2005/8/layout/vList2"/>
-    <dgm:cxn modelId="{DEE20CBF-C8E1-4D8F-8770-5649F469623F}" type="presParOf" srcId="{630D7153-60C4-4804-9A8E-5ACEBDD61B92}" destId="{201254A2-77AB-48AF-ABBB-7F317F7155B1}" srcOrd="4" destOrd="0" presId="urn:microsoft.com/office/officeart/2005/8/layout/vList2"/>
-    <dgm:cxn modelId="{ED6A26B6-FAE3-4148-BFC0-697E76EFD4E0}" type="presParOf" srcId="{630D7153-60C4-4804-9A8E-5ACEBDD61B92}" destId="{B2D44EAB-EBFF-478A-B03E-385FB6111ADE}" srcOrd="5" destOrd="0" presId="urn:microsoft.com/office/officeart/2005/8/layout/vList2"/>
+    <dgm:cxn modelId="{18898F94-3BE0-447E-86EE-407450AB2CB7}" type="presParOf" srcId="{630D7153-60C4-4804-9A8E-5ACEBDD61B92}" destId="{05032E4E-3225-453C-986B-7EBC9DD26B39}" srcOrd="0" destOrd="0" presId="urn:microsoft.com/office/officeart/2005/8/layout/vList2"/>
+    <dgm:cxn modelId="{74547EB0-806B-47BB-B57C-A34FEACEBC18}" type="presParOf" srcId="{630D7153-60C4-4804-9A8E-5ACEBDD61B92}" destId="{DECC94AB-1CD8-4C57-B96F-137966AA4EB4}" srcOrd="1" destOrd="0" presId="urn:microsoft.com/office/officeart/2005/8/layout/vList2"/>
+    <dgm:cxn modelId="{4DCCE2E4-EFA4-4FBA-A0A5-F46F183052E0}" type="presParOf" srcId="{630D7153-60C4-4804-9A8E-5ACEBDD61B92}" destId="{201254A2-77AB-48AF-ABBB-7F317F7155B1}" srcOrd="2" destOrd="0" presId="urn:microsoft.com/office/officeart/2005/8/layout/vList2"/>
+    <dgm:cxn modelId="{E9E35D99-C5F5-4B02-8B00-E0FC40968C21}" type="presParOf" srcId="{630D7153-60C4-4804-9A8E-5ACEBDD61B92}" destId="{B2D44EAB-EBFF-478A-B03E-385FB6111ADE}" srcOrd="3" destOrd="0" presId="urn:microsoft.com/office/officeart/2005/8/layout/vList2"/>
   </dgm:cxnLst>
   <dgm:bg/>
   <dgm:whole/>
@@ -1229,15 +1375,15 @@
       <dsp:cNvGrpSpPr/>
     </dsp:nvGrpSpPr>
     <dsp:grpSpPr/>
-    <dsp:sp modelId="{3DBFD865-13D6-4EB2-B3FE-4FE40F29726B}">
+    <dsp:sp modelId="{05032E4E-3225-453C-986B-7EBC9DD26B39}">
       <dsp:nvSpPr>
         <dsp:cNvPr id="0" name=""/>
         <dsp:cNvSpPr/>
       </dsp:nvSpPr>
       <dsp:spPr>
         <a:xfrm>
-          <a:off x="0" y="16929"/>
-          <a:ext cx="9144000" cy="455715"/>
+          <a:off x="0" y="748"/>
+          <a:ext cx="9144000" cy="325840"/>
         </a:xfrm>
         <a:prstGeom prst="roundRect">
           <a:avLst/>
@@ -1250,7 +1396,7 @@
             <a:alphaOff val="0"/>
           </a:schemeClr>
         </a:solidFill>
-        <a:ln w="12700" cap="flat" cmpd="sng" algn="ctr">
+        <a:ln w="19050" cap="flat" cmpd="sng" algn="ctr">
           <a:solidFill>
             <a:schemeClr val="lt1">
               <a:hueOff val="0"/>
@@ -1265,13 +1411,13 @@
         <a:effectLst/>
       </dsp:spPr>
       <dsp:style>
-        <a:lnRef idx="2">
+        <a:lnRef idx="3">
           <a:scrgbClr r="0" g="0" b="0"/>
         </a:lnRef>
         <a:fillRef idx="1">
           <a:scrgbClr r="0" g="0" b="0"/>
         </a:fillRef>
-        <a:effectRef idx="0">
+        <a:effectRef idx="1">
           <a:scrgbClr r="0" g="0" b="0"/>
         </a:effectRef>
         <a:fontRef idx="minor">
@@ -1279,12 +1425,12 @@
         </a:fontRef>
       </dsp:style>
       <dsp:txBody>
-        <a:bodyPr spcFirstLastPara="0" vert="horz" wrap="square" lIns="72390" tIns="72390" rIns="72390" bIns="72390" numCol="1" spcCol="1270" anchor="ctr" anchorCtr="0">
+        <a:bodyPr spcFirstLastPara="0" vert="horz" wrap="square" lIns="91440" tIns="91440" rIns="91440" bIns="91440" numCol="1" spcCol="1270" anchor="ctr" anchorCtr="0">
           <a:noAutofit/>
         </a:bodyPr>
         <a:lstStyle/>
         <a:p>
-          <a:pPr marL="0" lvl="0" indent="0" algn="l" defTabSz="844550">
+          <a:pPr marL="0" lvl="0" indent="0" algn="l" defTabSz="1066800">
             <a:lnSpc>
               <a:spcPct val="90000"/>
             </a:lnSpc>
@@ -1297,94 +1443,15 @@
             <a:buNone/>
           </a:pPr>
           <a:r>
-            <a:rPr lang="it-IT" sz="1900" kern="1200"/>
-            <a:t>I pattern utilizzati sono due:</a:t>
+            <a:rPr lang="it-IT" sz="2400" kern="1200" dirty="0"/>
+            <a:t>Factory Pattern </a:t>
           </a:r>
-          <a:endParaRPr lang="en-US" sz="1900" kern="1200"/>
+          <a:endParaRPr lang="en-US" sz="2400" kern="1200" dirty="0"/>
         </a:p>
       </dsp:txBody>
       <dsp:txXfrm>
-        <a:off x="22246" y="39175"/>
-        <a:ext cx="9099508" cy="411223"/>
-      </dsp:txXfrm>
-    </dsp:sp>
-    <dsp:sp modelId="{05032E4E-3225-453C-986B-7EBC9DD26B39}">
-      <dsp:nvSpPr>
-        <dsp:cNvPr id="0" name=""/>
-        <dsp:cNvSpPr/>
-      </dsp:nvSpPr>
-      <dsp:spPr>
-        <a:xfrm>
-          <a:off x="0" y="527364"/>
-          <a:ext cx="9144000" cy="455715"/>
-        </a:xfrm>
-        <a:prstGeom prst="roundRect">
-          <a:avLst/>
-        </a:prstGeom>
-        <a:solidFill>
-          <a:schemeClr val="accent1">
-            <a:hueOff val="0"/>
-            <a:satOff val="0"/>
-            <a:lumOff val="0"/>
-            <a:alphaOff val="0"/>
-          </a:schemeClr>
-        </a:solidFill>
-        <a:ln w="12700" cap="flat" cmpd="sng" algn="ctr">
-          <a:solidFill>
-            <a:schemeClr val="lt1">
-              <a:hueOff val="0"/>
-              <a:satOff val="0"/>
-              <a:lumOff val="0"/>
-              <a:alphaOff val="0"/>
-            </a:schemeClr>
-          </a:solidFill>
-          <a:prstDash val="solid"/>
-          <a:miter lim="800000"/>
-        </a:ln>
-        <a:effectLst/>
-      </dsp:spPr>
-      <dsp:style>
-        <a:lnRef idx="2">
-          <a:scrgbClr r="0" g="0" b="0"/>
-        </a:lnRef>
-        <a:fillRef idx="1">
-          <a:scrgbClr r="0" g="0" b="0"/>
-        </a:fillRef>
-        <a:effectRef idx="0">
-          <a:scrgbClr r="0" g="0" b="0"/>
-        </a:effectRef>
-        <a:fontRef idx="minor">
-          <a:schemeClr val="lt1"/>
-        </a:fontRef>
-      </dsp:style>
-      <dsp:txBody>
-        <a:bodyPr spcFirstLastPara="0" vert="horz" wrap="square" lIns="72390" tIns="72390" rIns="72390" bIns="72390" numCol="1" spcCol="1270" anchor="ctr" anchorCtr="0">
-          <a:noAutofit/>
-        </a:bodyPr>
-        <a:lstStyle/>
-        <a:p>
-          <a:pPr marL="0" lvl="0" indent="0" algn="l" defTabSz="844550">
-            <a:lnSpc>
-              <a:spcPct val="90000"/>
-            </a:lnSpc>
-            <a:spcBef>
-              <a:spcPct val="0"/>
-            </a:spcBef>
-            <a:spcAft>
-              <a:spcPct val="35000"/>
-            </a:spcAft>
-            <a:buNone/>
-          </a:pPr>
-          <a:r>
-            <a:rPr lang="it-IT" sz="1900" kern="1200"/>
-            <a:t>Factory Pattern </a:t>
-          </a:r>
-          <a:endParaRPr lang="en-US" sz="1900" kern="1200"/>
-        </a:p>
-      </dsp:txBody>
-      <dsp:txXfrm>
-        <a:off x="22246" y="549610"/>
-        <a:ext cx="9099508" cy="411223"/>
+        <a:off x="15906" y="16654"/>
+        <a:ext cx="9112188" cy="294028"/>
       </dsp:txXfrm>
     </dsp:sp>
     <dsp:sp modelId="{DECC94AB-1CD8-4C57-B96F-137966AA4EB4}">
@@ -1394,8 +1461,8 @@
       </dsp:nvSpPr>
       <dsp:spPr>
         <a:xfrm>
-          <a:off x="0" y="983079"/>
-          <a:ext cx="9144000" cy="1199565"/>
+          <a:off x="0" y="326588"/>
+          <a:ext cx="9144000" cy="2036232"/>
         </a:xfrm>
         <a:prstGeom prst="rect">
           <a:avLst/>
@@ -1419,12 +1486,12 @@
         <a:fontRef idx="minor"/>
       </dsp:style>
       <dsp:txBody>
-        <a:bodyPr spcFirstLastPara="0" vert="horz" wrap="square" lIns="290322" tIns="24130" rIns="135128" bIns="24130" numCol="1" spcCol="1270" anchor="t" anchorCtr="0">
+        <a:bodyPr spcFirstLastPara="0" vert="horz" wrap="square" lIns="290322" tIns="25400" rIns="142240" bIns="25400" numCol="1" spcCol="1270" anchor="t" anchorCtr="0">
           <a:noAutofit/>
         </a:bodyPr>
         <a:lstStyle/>
         <a:p>
-          <a:pPr marL="114300" lvl="1" indent="-114300" algn="l" defTabSz="666750">
+          <a:pPr marL="228600" lvl="1" indent="-228600" algn="l" defTabSz="889000">
             <a:lnSpc>
               <a:spcPct val="90000"/>
             </a:lnSpc>
@@ -1437,13 +1504,13 @@
             <a:buChar char="•"/>
           </a:pPr>
           <a:r>
-            <a:rPr lang="it-IT" sz="1500" kern="1200"/>
+            <a:rPr lang="it-IT" sz="2000" kern="1200" dirty="0"/>
             <a:t>Il Factory Pattern è stato implementato due volte. </a:t>
           </a:r>
-          <a:endParaRPr lang="en-US" sz="1500" kern="1200"/>
+          <a:endParaRPr lang="en-US" sz="2000" kern="1200" dirty="0"/>
         </a:p>
         <a:p>
-          <a:pPr marL="228600" lvl="2" indent="-114300" algn="l" defTabSz="666750">
+          <a:pPr marL="457200" lvl="2" indent="-228600" algn="l" defTabSz="889000">
             <a:lnSpc>
               <a:spcPct val="90000"/>
             </a:lnSpc>
@@ -1456,13 +1523,13 @@
             <a:buChar char="•"/>
           </a:pPr>
           <a:r>
-            <a:rPr lang="it-IT" sz="1500" kern="1200"/>
+            <a:rPr lang="it-IT" sz="2000" kern="1200" dirty="0"/>
             <a:t>La prima volta debolmente all’interno del package Veicolo per garantire in modo estendibile la creazione di veicoli diversi con caratteristiche diverse.</a:t>
           </a:r>
-          <a:endParaRPr lang="en-US" sz="1500" kern="1200"/>
+          <a:endParaRPr lang="en-US" sz="2000" kern="1200" dirty="0"/>
         </a:p>
         <a:p>
-          <a:pPr marL="228600" lvl="2" indent="-114300" algn="l" defTabSz="666750">
+          <a:pPr marL="457200" lvl="2" indent="-228600" algn="l" defTabSz="889000">
             <a:lnSpc>
               <a:spcPct val="90000"/>
             </a:lnSpc>
@@ -1475,15 +1542,23 @@
             <a:buChar char="•"/>
           </a:pPr>
           <a:r>
-            <a:rPr lang="it-IT" sz="1500" kern="1200"/>
-            <a:t>La seconda volta è stato implementato in modo completo nella creazione di diversi ostacoli, ognuno con una ImageView diversa.</a:t>
+            <a:rPr lang="it-IT" sz="2000" kern="1200" dirty="0"/>
+            <a:t>La seconda volta è stato implementato in modo completo nella creazione di diversi ostacoli, ognuno con una </a:t>
           </a:r>
-          <a:endParaRPr lang="en-US" sz="1500" kern="1200"/>
+          <a:r>
+            <a:rPr lang="it-IT" sz="2000" kern="1200" dirty="0" err="1"/>
+            <a:t>ImageView</a:t>
+          </a:r>
+          <a:r>
+            <a:rPr lang="it-IT" sz="2000" kern="1200" dirty="0"/>
+            <a:t> diversa.</a:t>
+          </a:r>
+          <a:endParaRPr lang="en-US" sz="2000" kern="1200" dirty="0"/>
         </a:p>
       </dsp:txBody>
       <dsp:txXfrm>
-        <a:off x="0" y="983079"/>
-        <a:ext cx="9144000" cy="1199565"/>
+        <a:off x="0" y="326588"/>
+        <a:ext cx="9144000" cy="2036232"/>
       </dsp:txXfrm>
     </dsp:sp>
     <dsp:sp modelId="{201254A2-77AB-48AF-ABBB-7F317F7155B1}">
@@ -1493,8 +1568,8 @@
       </dsp:nvSpPr>
       <dsp:spPr>
         <a:xfrm>
-          <a:off x="0" y="2182644"/>
-          <a:ext cx="9144000" cy="455715"/>
+          <a:off x="0" y="2362821"/>
+          <a:ext cx="9144000" cy="325840"/>
         </a:xfrm>
         <a:prstGeom prst="roundRect">
           <a:avLst/>
@@ -1507,7 +1582,7 @@
             <a:alphaOff val="0"/>
           </a:schemeClr>
         </a:solidFill>
-        <a:ln w="12700" cap="flat" cmpd="sng" algn="ctr">
+        <a:ln w="19050" cap="flat" cmpd="sng" algn="ctr">
           <a:solidFill>
             <a:schemeClr val="lt1">
               <a:hueOff val="0"/>
@@ -1522,13 +1597,13 @@
         <a:effectLst/>
       </dsp:spPr>
       <dsp:style>
-        <a:lnRef idx="2">
+        <a:lnRef idx="3">
           <a:scrgbClr r="0" g="0" b="0"/>
         </a:lnRef>
         <a:fillRef idx="1">
           <a:scrgbClr r="0" g="0" b="0"/>
         </a:fillRef>
-        <a:effectRef idx="0">
+        <a:effectRef idx="1">
           <a:scrgbClr r="0" g="0" b="0"/>
         </a:effectRef>
         <a:fontRef idx="minor">
@@ -1536,12 +1611,12 @@
         </a:fontRef>
       </dsp:style>
       <dsp:txBody>
-        <a:bodyPr spcFirstLastPara="0" vert="horz" wrap="square" lIns="72390" tIns="72390" rIns="72390" bIns="72390" numCol="1" spcCol="1270" anchor="ctr" anchorCtr="0">
+        <a:bodyPr spcFirstLastPara="0" vert="horz" wrap="square" lIns="91440" tIns="91440" rIns="91440" bIns="91440" numCol="1" spcCol="1270" anchor="ctr" anchorCtr="0">
           <a:noAutofit/>
         </a:bodyPr>
         <a:lstStyle/>
         <a:p>
-          <a:pPr marL="0" lvl="0" indent="0" algn="l" defTabSz="844550">
+          <a:pPr marL="0" lvl="0" indent="0" algn="l" defTabSz="1066800">
             <a:lnSpc>
               <a:spcPct val="90000"/>
             </a:lnSpc>
@@ -1554,15 +1629,15 @@
             <a:buNone/>
           </a:pPr>
           <a:r>
-            <a:rPr lang="it-IT" sz="1900" kern="1200"/>
+            <a:rPr lang="it-IT" sz="2400" kern="1200" dirty="0"/>
             <a:t>Command Pattern </a:t>
           </a:r>
-          <a:endParaRPr lang="en-US" sz="1900" kern="1200"/>
+          <a:endParaRPr lang="en-US" sz="2400" kern="1200" dirty="0"/>
         </a:p>
       </dsp:txBody>
       <dsp:txXfrm>
-        <a:off x="22246" y="2204890"/>
-        <a:ext cx="9099508" cy="411223"/>
+        <a:off x="15906" y="2378727"/>
+        <a:ext cx="9112188" cy="294028"/>
       </dsp:txXfrm>
     </dsp:sp>
     <dsp:sp modelId="{B2D44EAB-EBFF-478A-B03E-385FB6111ADE}">
@@ -1572,8 +1647,8 @@
       </dsp:nvSpPr>
       <dsp:spPr>
         <a:xfrm>
-          <a:off x="0" y="2638358"/>
-          <a:ext cx="9144000" cy="471960"/>
+          <a:off x="0" y="2688661"/>
+          <a:ext cx="9144000" cy="893240"/>
         </a:xfrm>
         <a:prstGeom prst="rect">
           <a:avLst/>
@@ -1597,12 +1672,12 @@
         <a:fontRef idx="minor"/>
       </dsp:style>
       <dsp:txBody>
-        <a:bodyPr spcFirstLastPara="0" vert="horz" wrap="square" lIns="290322" tIns="24130" rIns="135128" bIns="24130" numCol="1" spcCol="1270" anchor="t" anchorCtr="0">
+        <a:bodyPr spcFirstLastPara="0" vert="horz" wrap="square" lIns="290322" tIns="25400" rIns="142240" bIns="25400" numCol="1" spcCol="1270" anchor="t" anchorCtr="0">
           <a:noAutofit/>
         </a:bodyPr>
         <a:lstStyle/>
         <a:p>
-          <a:pPr marL="114300" lvl="1" indent="-114300" algn="l" defTabSz="666750">
+          <a:pPr marL="228600" lvl="1" indent="-228600" algn="l" defTabSz="889000">
             <a:lnSpc>
               <a:spcPct val="90000"/>
             </a:lnSpc>
@@ -1615,15 +1690,15 @@
             <a:buChar char="•"/>
           </a:pPr>
           <a:r>
-            <a:rPr lang="it-IT" sz="1500" kern="1200"/>
+            <a:rPr lang="it-IT" sz="2000" kern="1200" dirty="0"/>
             <a:t>Il Command Pattern è stato utilizzato per separare le operazioni effettuate dal radiocomando in istanze differenti specializzate.</a:t>
           </a:r>
-          <a:endParaRPr lang="en-US" sz="1500" kern="1200"/>
+          <a:endParaRPr lang="en-US" sz="2000" kern="1200" dirty="0"/>
         </a:p>
       </dsp:txBody>
       <dsp:txXfrm>
-        <a:off x="0" y="2638358"/>
-        <a:ext cx="9144000" cy="471960"/>
+        <a:off x="0" y="2688661"/>
+        <a:ext cx="9144000" cy="893240"/>
       </dsp:txXfrm>
     </dsp:sp>
   </dsp:spTree>
@@ -1798,11 +1873,11 @@
 </file>
 
 <file path=ppt/diagrams/quickStyle1.xml><?xml version="1.0" encoding="utf-8"?>
-<dgm:styleDef xmlns:dgm="http://schemas.openxmlformats.org/drawingml/2006/diagram" xmlns:a="http://schemas.openxmlformats.org/drawingml/2006/main" uniqueId="urn:microsoft.com/office/officeart/2005/8/quickstyle/simple1">
+<dgm:styleDef xmlns:dgm="http://schemas.openxmlformats.org/drawingml/2006/diagram" xmlns:a="http://schemas.openxmlformats.org/drawingml/2006/main" uniqueId="urn:microsoft.com/office/officeart/2005/8/quickstyle/simple2">
   <dgm:title val=""/>
   <dgm:desc val=""/>
   <dgm:catLst>
-    <dgm:cat type="simple" pri="10100"/>
+    <dgm:cat type="simple" pri="10200"/>
   </dgm:catLst>
   <dgm:scene3d>
     <a:camera prst="orthographicFront"/>
@@ -1816,13 +1891,13 @@
     <dgm:sp3d/>
     <dgm:txPr/>
     <dgm:style>
-      <a:lnRef idx="2">
+      <a:lnRef idx="3">
         <a:scrgbClr r="0" g="0" b="0"/>
       </a:lnRef>
       <a:fillRef idx="1">
         <a:scrgbClr r="0" g="0" b="0"/>
       </a:fillRef>
-      <a:effectRef idx="0">
+      <a:effectRef idx="1">
         <a:scrgbClr r="0" g="0" b="0"/>
       </a:effectRef>
       <a:fontRef idx="minor">
@@ -1838,13 +1913,13 @@
     <dgm:sp3d/>
     <dgm:txPr/>
     <dgm:style>
-      <a:lnRef idx="2">
+      <a:lnRef idx="3">
         <a:scrgbClr r="0" g="0" b="0"/>
       </a:lnRef>
       <a:fillRef idx="1">
         <a:scrgbClr r="0" g="0" b="0"/>
       </a:fillRef>
-      <a:effectRef idx="0">
+      <a:effectRef idx="1">
         <a:scrgbClr r="0" g="0" b="0"/>
       </a:effectRef>
       <a:fontRef idx="minor">
@@ -1860,7 +1935,7 @@
     <dgm:sp3d/>
     <dgm:txPr/>
     <dgm:style>
-      <a:lnRef idx="2">
+      <a:lnRef idx="3">
         <a:scrgbClr r="0" g="0" b="0"/>
       </a:lnRef>
       <a:fillRef idx="1">
@@ -1888,7 +1963,7 @@
       <a:fillRef idx="1">
         <a:scrgbClr r="0" g="0" b="0"/>
       </a:fillRef>
-      <a:effectRef idx="0">
+      <a:effectRef idx="1">
         <a:scrgbClr r="0" g="0" b="0"/>
       </a:effectRef>
       <a:fontRef idx="minor">
@@ -1904,13 +1979,13 @@
     <dgm:sp3d/>
     <dgm:txPr/>
     <dgm:style>
-      <a:lnRef idx="2">
+      <a:lnRef idx="3">
         <a:scrgbClr r="0" g="0" b="0"/>
       </a:lnRef>
       <a:fillRef idx="1">
         <a:scrgbClr r="0" g="0" b="0"/>
       </a:fillRef>
-      <a:effectRef idx="0">
+      <a:effectRef idx="1">
         <a:scrgbClr r="0" g="0" b="0"/>
       </a:effectRef>
       <a:fontRef idx="minor">
@@ -1926,13 +2001,13 @@
     <dgm:sp3d/>
     <dgm:txPr/>
     <dgm:style>
-      <a:lnRef idx="2">
+      <a:lnRef idx="3">
         <a:scrgbClr r="0" g="0" b="0"/>
       </a:lnRef>
       <a:fillRef idx="1">
         <a:scrgbClr r="0" g="0" b="0"/>
       </a:fillRef>
-      <a:effectRef idx="0">
+      <a:effectRef idx="1">
         <a:scrgbClr r="0" g="0" b="0"/>
       </a:effectRef>
       <a:fontRef idx="minor">
@@ -1948,13 +2023,13 @@
     <dgm:sp3d/>
     <dgm:txPr/>
     <dgm:style>
-      <a:lnRef idx="2">
+      <a:lnRef idx="3">
         <a:scrgbClr r="0" g="0" b="0"/>
       </a:lnRef>
       <a:fillRef idx="1">
         <a:scrgbClr r="0" g="0" b="0"/>
       </a:fillRef>
-      <a:effectRef idx="0">
+      <a:effectRef idx="1">
         <a:scrgbClr r="0" g="0" b="0"/>
       </a:effectRef>
       <a:fontRef idx="minor">
@@ -1970,13 +2045,13 @@
     <dgm:sp3d/>
     <dgm:txPr/>
     <dgm:style>
-      <a:lnRef idx="2">
+      <a:lnRef idx="3">
         <a:scrgbClr r="0" g="0" b="0"/>
       </a:lnRef>
       <a:fillRef idx="1">
         <a:scrgbClr r="0" g="0" b="0"/>
       </a:fillRef>
-      <a:effectRef idx="0">
+      <a:effectRef idx="1">
         <a:scrgbClr r="0" g="0" b="0"/>
       </a:effectRef>
       <a:fontRef idx="minor">
@@ -1992,13 +2067,13 @@
     <dgm:sp3d/>
     <dgm:txPr/>
     <dgm:style>
-      <a:lnRef idx="2">
+      <a:lnRef idx="3">
         <a:scrgbClr r="0" g="0" b="0"/>
       </a:lnRef>
       <a:fillRef idx="1">
         <a:scrgbClr r="0" g="0" b="0"/>
       </a:fillRef>
-      <a:effectRef idx="0">
+      <a:effectRef idx="1">
         <a:scrgbClr r="0" g="0" b="0"/>
       </a:effectRef>
       <a:fontRef idx="minor"/>
@@ -2012,13 +2087,13 @@
     <dgm:sp3d/>
     <dgm:txPr/>
     <dgm:style>
-      <a:lnRef idx="2">
+      <a:lnRef idx="3">
         <a:scrgbClr r="0" g="0" b="0"/>
       </a:lnRef>
       <a:fillRef idx="1">
         <a:scrgbClr r="0" g="0" b="0"/>
       </a:fillRef>
-      <a:effectRef idx="0">
+      <a:effectRef idx="1">
         <a:scrgbClr r="0" g="0" b="0"/>
       </a:effectRef>
       <a:fontRef idx="minor"/>
@@ -2032,13 +2107,13 @@
     <dgm:sp3d/>
     <dgm:txPr/>
     <dgm:style>
-      <a:lnRef idx="2">
+      <a:lnRef idx="3">
         <a:scrgbClr r="0" g="0" b="0"/>
       </a:lnRef>
       <a:fillRef idx="1">
         <a:scrgbClr r="0" g="0" b="0"/>
       </a:fillRef>
-      <a:effectRef idx="0">
+      <a:effectRef idx="1">
         <a:scrgbClr r="0" g="0" b="0"/>
       </a:effectRef>
       <a:fontRef idx="minor"/>
@@ -2058,7 +2133,7 @@
       <a:fillRef idx="1">
         <a:scrgbClr r="0" g="0" b="0"/>
       </a:fillRef>
-      <a:effectRef idx="0">
+      <a:effectRef idx="1">
         <a:scrgbClr r="0" g="0" b="0"/>
       </a:effectRef>
       <a:fontRef idx="minor">
@@ -2080,7 +2155,7 @@
       <a:fillRef idx="1">
         <a:scrgbClr r="0" g="0" b="0"/>
       </a:fillRef>
-      <a:effectRef idx="0">
+      <a:effectRef idx="1">
         <a:scrgbClr r="0" g="0" b="0"/>
       </a:effectRef>
       <a:fontRef idx="minor">
@@ -2102,7 +2177,7 @@
       <a:fillRef idx="1">
         <a:scrgbClr r="0" g="0" b="0"/>
       </a:fillRef>
-      <a:effectRef idx="0">
+      <a:effectRef idx="1">
         <a:scrgbClr r="0" g="0" b="0"/>
       </a:effectRef>
       <a:fontRef idx="minor">
@@ -2144,7 +2219,7 @@
       <a:fillRef idx="1">
         <a:scrgbClr r="0" g="0" b="0"/>
       </a:fillRef>
-      <a:effectRef idx="0">
+      <a:effectRef idx="1">
         <a:scrgbClr r="0" g="0" b="0"/>
       </a:effectRef>
       <a:fontRef idx="minor"/>
@@ -2158,13 +2233,13 @@
     <dgm:sp3d/>
     <dgm:txPr/>
     <dgm:style>
-      <a:lnRef idx="2">
+      <a:lnRef idx="3">
         <a:scrgbClr r="0" g="0" b="0"/>
       </a:lnRef>
       <a:fillRef idx="1">
         <a:scrgbClr r="0" g="0" b="0"/>
       </a:fillRef>
-      <a:effectRef idx="0">
+      <a:effectRef idx="1">
         <a:scrgbClr r="0" g="0" b="0"/>
       </a:effectRef>
       <a:fontRef idx="minor">
@@ -2180,13 +2255,13 @@
     <dgm:sp3d/>
     <dgm:txPr/>
     <dgm:style>
-      <a:lnRef idx="2">
+      <a:lnRef idx="3">
         <a:scrgbClr r="0" g="0" b="0"/>
       </a:lnRef>
       <a:fillRef idx="1">
         <a:scrgbClr r="0" g="0" b="0"/>
       </a:fillRef>
-      <a:effectRef idx="0">
+      <a:effectRef idx="1">
         <a:scrgbClr r="0" g="0" b="0"/>
       </a:effectRef>
       <a:fontRef idx="minor">
@@ -2202,13 +2277,13 @@
     <dgm:sp3d/>
     <dgm:txPr/>
     <dgm:style>
-      <a:lnRef idx="2">
+      <a:lnRef idx="3">
         <a:scrgbClr r="0" g="0" b="0"/>
       </a:lnRef>
       <a:fillRef idx="1">
         <a:scrgbClr r="0" g="0" b="0"/>
       </a:fillRef>
-      <a:effectRef idx="0">
+      <a:effectRef idx="1">
         <a:scrgbClr r="0" g="0" b="0"/>
       </a:effectRef>
       <a:fontRef idx="minor">
@@ -2224,13 +2299,13 @@
     <dgm:sp3d/>
     <dgm:txPr/>
     <dgm:style>
-      <a:lnRef idx="2">
+      <a:lnRef idx="3">
         <a:scrgbClr r="0" g="0" b="0"/>
       </a:lnRef>
       <a:fillRef idx="1">
         <a:scrgbClr r="0" g="0" b="0"/>
       </a:fillRef>
-      <a:effectRef idx="0">
+      <a:effectRef idx="1">
         <a:scrgbClr r="0" g="0" b="0"/>
       </a:effectRef>
       <a:fontRef idx="minor">
@@ -2246,13 +2321,13 @@
     <dgm:sp3d/>
     <dgm:txPr/>
     <dgm:style>
-      <a:lnRef idx="2">
+      <a:lnRef idx="3">
         <a:scrgbClr r="0" g="0" b="0"/>
       </a:lnRef>
       <a:fillRef idx="1">
         <a:scrgbClr r="0" g="0" b="0"/>
       </a:fillRef>
-      <a:effectRef idx="0">
+      <a:effectRef idx="1">
         <a:scrgbClr r="0" g="0" b="0"/>
       </a:effectRef>
       <a:fontRef idx="minor">
@@ -2268,13 +2343,13 @@
     <dgm:sp3d/>
     <dgm:txPr/>
     <dgm:style>
-      <a:lnRef idx="2">
+      <a:lnRef idx="3">
         <a:scrgbClr r="0" g="0" b="0"/>
       </a:lnRef>
       <a:fillRef idx="1">
         <a:scrgbClr r="0" g="0" b="0"/>
       </a:fillRef>
-      <a:effectRef idx="0">
+      <a:effectRef idx="1">
         <a:scrgbClr r="0" g="0" b="0"/>
       </a:effectRef>
       <a:fontRef idx="minor">
@@ -2290,13 +2365,13 @@
     <dgm:sp3d/>
     <dgm:txPr/>
     <dgm:style>
-      <a:lnRef idx="2">
+      <a:lnRef idx="3">
         <a:scrgbClr r="0" g="0" b="0"/>
       </a:lnRef>
       <a:fillRef idx="1">
         <a:scrgbClr r="0" g="0" b="0"/>
       </a:fillRef>
-      <a:effectRef idx="0">
+      <a:effectRef idx="1">
         <a:scrgbClr r="0" g="0" b="0"/>
       </a:effectRef>
       <a:fontRef idx="minor">
@@ -2312,13 +2387,13 @@
     <dgm:sp3d/>
     <dgm:txPr/>
     <dgm:style>
-      <a:lnRef idx="2">
+      <a:lnRef idx="3">
         <a:scrgbClr r="0" g="0" b="0"/>
       </a:lnRef>
       <a:fillRef idx="1">
         <a:scrgbClr r="0" g="0" b="0"/>
       </a:fillRef>
-      <a:effectRef idx="0">
+      <a:effectRef idx="1">
         <a:scrgbClr r="0" g="0" b="0"/>
       </a:effectRef>
       <a:fontRef idx="minor">
@@ -2334,13 +2409,13 @@
     <dgm:sp3d/>
     <dgm:txPr/>
     <dgm:style>
-      <a:lnRef idx="2">
+      <a:lnRef idx="3">
         <a:scrgbClr r="0" g="0" b="0"/>
       </a:lnRef>
       <a:fillRef idx="1">
         <a:scrgbClr r="0" g="0" b="0"/>
       </a:fillRef>
-      <a:effectRef idx="0">
+      <a:effectRef idx="1">
         <a:scrgbClr r="0" g="0" b="0"/>
       </a:effectRef>
       <a:fontRef idx="minor">
@@ -2796,13 +2871,13 @@
     <dgm:sp3d/>
     <dgm:txPr/>
     <dgm:style>
-      <a:lnRef idx="2">
+      <a:lnRef idx="3">
         <a:scrgbClr r="0" g="0" b="0"/>
       </a:lnRef>
       <a:fillRef idx="1">
         <a:scrgbClr r="0" g="0" b="0"/>
       </a:fillRef>
-      <a:effectRef idx="0">
+      <a:effectRef idx="1">
         <a:scrgbClr r="0" g="0" b="0"/>
       </a:effectRef>
       <a:fontRef idx="minor"/>
@@ -2986,7 +3061,7 @@
             <a:fld id="{3F9AFA87-1417-4992-ABD9-27C3BC8CC883}" type="datetimeFigureOut">
               <a:rPr lang="en-US" smtClean="0"/>
               <a:pPr algn="r"/>
-              <a:t>3/5/2024</a:t>
+              <a:t>3/6/2024</a:t>
             </a:fld>
             <a:endParaRPr lang="en-US" dirty="0"/>
           </a:p>
@@ -3187,7 +3262,7 @@
           <a:p>
             <a:fld id="{3F9AFA87-1417-4992-ABD9-27C3BC8CC883}" type="datetimeFigureOut">
               <a:rPr lang="en-US" smtClean="0"/>
-              <a:t>3/5/2024</a:t>
+              <a:t>3/6/2024</a:t>
             </a:fld>
             <a:endParaRPr lang="en-US"/>
           </a:p>
@@ -3397,7 +3472,7 @@
           <a:p>
             <a:fld id="{3F9AFA87-1417-4992-ABD9-27C3BC8CC883}" type="datetimeFigureOut">
               <a:rPr lang="en-US" smtClean="0"/>
-              <a:t>3/5/2024</a:t>
+              <a:t>3/6/2024</a:t>
             </a:fld>
             <a:endParaRPr lang="en-US"/>
           </a:p>
@@ -3595,7 +3670,7 @@
           <a:p>
             <a:fld id="{3F9AFA87-1417-4992-ABD9-27C3BC8CC883}" type="datetimeFigureOut">
               <a:rPr lang="en-US" smtClean="0"/>
-              <a:t>3/5/2024</a:t>
+              <a:t>3/6/2024</a:t>
             </a:fld>
             <a:endParaRPr lang="en-US"/>
           </a:p>
@@ -3869,7 +3944,7 @@
           <a:p>
             <a:fld id="{3F9AFA87-1417-4992-ABD9-27C3BC8CC883}" type="datetimeFigureOut">
               <a:rPr lang="en-US" smtClean="0"/>
-              <a:t>3/5/2024</a:t>
+              <a:t>3/6/2024</a:t>
             </a:fld>
             <a:endParaRPr lang="en-US"/>
           </a:p>
@@ -4134,7 +4209,7 @@
           <a:p>
             <a:fld id="{3F9AFA87-1417-4992-ABD9-27C3BC8CC883}" type="datetimeFigureOut">
               <a:rPr lang="en-US" smtClean="0"/>
-              <a:t>3/5/2024</a:t>
+              <a:t>3/6/2024</a:t>
             </a:fld>
             <a:endParaRPr lang="en-US" dirty="0"/>
           </a:p>
@@ -4521,7 +4596,7 @@
           <a:p>
             <a:fld id="{3F9AFA87-1417-4992-ABD9-27C3BC8CC883}" type="datetimeFigureOut">
               <a:rPr lang="en-US" smtClean="0"/>
-              <a:t>3/5/2024</a:t>
+              <a:t>3/6/2024</a:t>
             </a:fld>
             <a:endParaRPr lang="en-US"/>
           </a:p>
@@ -4691,7 +4766,7 @@
           <a:p>
             <a:fld id="{3F9AFA87-1417-4992-ABD9-27C3BC8CC883}" type="datetimeFigureOut">
               <a:rPr lang="en-US" smtClean="0"/>
-              <a:t>3/5/2024</a:t>
+              <a:t>3/6/2024</a:t>
             </a:fld>
             <a:endParaRPr lang="en-US"/>
           </a:p>
@@ -4804,7 +4879,7 @@
           <a:p>
             <a:fld id="{3F9AFA87-1417-4992-ABD9-27C3BC8CC883}" type="datetimeFigureOut">
               <a:rPr lang="en-US" smtClean="0"/>
-              <a:t>3/5/2024</a:t>
+              <a:t>3/6/2024</a:t>
             </a:fld>
             <a:endParaRPr lang="en-US"/>
           </a:p>
@@ -5124,7 +5199,7 @@
           <a:p>
             <a:fld id="{3F9AFA87-1417-4992-ABD9-27C3BC8CC883}" type="datetimeFigureOut">
               <a:rPr lang="en-US" smtClean="0"/>
-              <a:t>3/5/2024</a:t>
+              <a:t>3/6/2024</a:t>
             </a:fld>
             <a:endParaRPr lang="en-US"/>
           </a:p>
@@ -5429,7 +5504,7 @@
           <a:p>
             <a:fld id="{3F9AFA87-1417-4992-ABD9-27C3BC8CC883}" type="datetimeFigureOut">
               <a:rPr lang="en-US" smtClean="0"/>
-              <a:t>3/5/2024</a:t>
+              <a:t>3/6/2024</a:t>
             </a:fld>
             <a:endParaRPr lang="en-US"/>
           </a:p>
@@ -5672,7 +5747,7 @@
             <a:fld id="{3F9AFA87-1417-4992-ABD9-27C3BC8CC883}" type="datetimeFigureOut">
               <a:rPr lang="en-US" smtClean="0"/>
               <a:pPr algn="r"/>
-              <a:t>3/5/2024</a:t>
+              <a:t>3/6/2024</a:t>
             </a:fld>
             <a:endParaRPr lang="en-US" dirty="0"/>
           </a:p>
@@ -6900,7 +6975,7 @@
               <a:buNone/>
             </a:pPr>
             <a:r>
-              <a:rPr lang="it-IT" sz="1600"/>
+              <a:rPr lang="it-IT" sz="1600" dirty="0"/>
               <a:t>L’obiettivo del gioco è schivare gli ostacoli muovendosi a destra e sinistra con il veicolo selezionato per raggiungere un punteggio alto.</a:t>
             </a:r>
           </a:p>
@@ -6912,7 +6987,7 @@
               <a:buNone/>
             </a:pPr>
             <a:r>
-              <a:rPr lang="it-IT" sz="1600"/>
+              <a:rPr lang="it-IT" sz="1600" dirty="0"/>
               <a:t>Vi sono tre elementi UI principali:</a:t>
             </a:r>
           </a:p>
@@ -6925,7 +7000,7 @@
               <a:buChar char="•"/>
             </a:pPr>
             <a:r>
-              <a:rPr lang="it-IT" sz="1600"/>
+              <a:rPr lang="it-IT" sz="1600" dirty="0"/>
               <a:t>Timer: Un orologio che tiene conto della durata della partita.</a:t>
             </a:r>
           </a:p>
@@ -6938,7 +7013,7 @@
               <a:buChar char="•"/>
             </a:pPr>
             <a:r>
-              <a:rPr lang="it-IT" sz="1600"/>
+              <a:rPr lang="it-IT" sz="1600" dirty="0"/>
               <a:t>Score: Un numero molto alto indicato per indicare un punteggio.</a:t>
             </a:r>
           </a:p>
@@ -6951,7 +7026,7 @@
               <a:buChar char="•"/>
             </a:pPr>
             <a:r>
-              <a:rPr lang="it-IT" sz="1600"/>
+              <a:rPr lang="it-IT" sz="1600" dirty="0"/>
               <a:t>Marcia: La marcia attuale utilizzata.</a:t>
             </a:r>
           </a:p>
@@ -6961,7 +7036,7 @@
                 <a:spcPct val="95000"/>
               </a:lnSpc>
             </a:pPr>
-            <a:endParaRPr lang="it-IT" sz="1600"/>
+            <a:endParaRPr lang="it-IT" sz="1600" dirty="0"/>
           </a:p>
         </p:txBody>
       </p:sp>
@@ -7011,13 +7086,13 @@
   <p:clrMapOvr>
     <a:masterClrMapping/>
   </p:clrMapOvr>
-  <mc:AlternateContent xmlns:mc="http://schemas.openxmlformats.org/markup-compatibility/2006">
-    <mc:Choice xmlns:p159="http://schemas.microsoft.com/office/powerpoint/2015/09/main" Requires="p159">
+  <mc:AlternateContent xmlns:mc="http://schemas.openxmlformats.org/markup-compatibility/2006" xmlns:p159="http://schemas.microsoft.com/office/powerpoint/2015/09/main">
+    <mc:Choice Requires="p159">
       <p:transition xmlns:p14="http://schemas.microsoft.com/office/powerpoint/2010/main" spd="slow" p14:dur="2000">
         <p159:morph option="byObject"/>
       </p:transition>
     </mc:Choice>
-    <mc:Fallback>
+    <mc:Fallback xmlns="">
       <p:transition spd="slow">
         <p:fade/>
       </p:transition>
@@ -7308,8 +7383,8 @@
         </p:nvSpPr>
         <p:spPr>
           <a:xfrm>
-            <a:off x="1830322" y="2970223"/>
-            <a:ext cx="8531353" cy="2194124"/>
+            <a:off x="1830322" y="2634916"/>
+            <a:ext cx="8531353" cy="3031958"/>
           </a:xfrm>
         </p:spPr>
         <p:txBody>
@@ -7325,7 +7400,7 @@
               <a:buNone/>
             </a:pPr>
             <a:r>
-              <a:rPr lang="it-IT" sz="1200" dirty="0"/>
+              <a:rPr lang="it-IT" sz="1600" dirty="0"/>
               <a:t>Il gioco è dotato di:</a:t>
             </a:r>
           </a:p>
@@ -7338,7 +7413,7 @@
               <a:buChar char="•"/>
             </a:pPr>
             <a:r>
-              <a:rPr lang="it-IT" sz="1200" dirty="0"/>
+              <a:rPr lang="it-IT" sz="1600" dirty="0"/>
               <a:t>Una meccanica di selezione del veicolo, che include tre macchine di colori diversi (rosso, bianco, giallo).</a:t>
             </a:r>
           </a:p>
@@ -7351,7 +7426,7 @@
               <a:buChar char="•"/>
             </a:pPr>
             <a:r>
-              <a:rPr lang="it-IT" sz="1200" dirty="0"/>
+              <a:rPr lang="it-IT" sz="1600" dirty="0"/>
               <a:t>Un sistema giorno-notte che permette il cambio di colore dello sfondo e della strada.</a:t>
             </a:r>
           </a:p>
@@ -7364,7 +7439,7 @@
               <a:buChar char="•"/>
             </a:pPr>
             <a:r>
-              <a:rPr lang="it-IT" sz="1200" dirty="0"/>
+              <a:rPr lang="it-IT" sz="1600" dirty="0"/>
               <a:t>Una generazione di fino a cinque ostacoli diversi.</a:t>
             </a:r>
           </a:p>
@@ -7377,7 +7452,7 @@
               <a:buChar char="•"/>
             </a:pPr>
             <a:r>
-              <a:rPr lang="it-IT" sz="1200" dirty="0"/>
+              <a:rPr lang="it-IT" sz="1600" dirty="0"/>
               <a:t>Un sistema di marce sviluppato per modificare la velocità di movimento del veicolo, così come la velocità di generazione e di movimento degli ostacoli.</a:t>
             </a:r>
           </a:p>
@@ -7390,15 +7465,15 @@
               <a:buChar char="•"/>
             </a:pPr>
             <a:r>
-              <a:rPr lang="it-IT" sz="1200" dirty="0"/>
+              <a:rPr lang="it-IT" sz="1600" dirty="0"/>
               <a:t>Un implementazione di collisioni, Game Over e </a:t>
             </a:r>
             <a:r>
-              <a:rPr lang="it-IT" sz="1200" dirty="0" err="1"/>
+              <a:rPr lang="it-IT" sz="1600" dirty="0" err="1"/>
               <a:t>Restart</a:t>
             </a:r>
             <a:r>
-              <a:rPr lang="it-IT" sz="1200" dirty="0"/>
+              <a:rPr lang="it-IT" sz="1600" dirty="0"/>
               <a:t> sufficientemente avanzato per consentire una continuità di gioco fluida e interattiva.</a:t>
             </a:r>
           </a:p>
@@ -7422,13 +7497,13 @@
   <p:clrMapOvr>
     <a:masterClrMapping/>
   </p:clrMapOvr>
-  <mc:AlternateContent xmlns:mc="http://schemas.openxmlformats.org/markup-compatibility/2006">
-    <mc:Choice xmlns:p159="http://schemas.microsoft.com/office/powerpoint/2015/09/main" Requires="p159">
+  <mc:AlternateContent xmlns:mc="http://schemas.openxmlformats.org/markup-compatibility/2006" xmlns:p159="http://schemas.microsoft.com/office/powerpoint/2015/09/main">
+    <mc:Choice Requires="p159">
       <p:transition xmlns:p14="http://schemas.microsoft.com/office/powerpoint/2010/main" spd="slow" p14:dur="2000">
         <p159:morph option="byObject"/>
       </p:transition>
     </mc:Choice>
-    <mc:Fallback>
+    <mc:Fallback xmlns="">
       <p:transition spd="slow">
         <p:fade/>
       </p:transition>
@@ -7575,8 +7650,8 @@
         </p:nvSpPr>
         <p:spPr>
           <a:xfrm>
-            <a:off x="762001" y="2207969"/>
-            <a:ext cx="3932830" cy="3884983"/>
+            <a:off x="762000" y="2207969"/>
+            <a:ext cx="4712367" cy="4228926"/>
           </a:xfrm>
         </p:spPr>
         <p:txBody>
@@ -7592,7 +7667,7 @@
               <a:buNone/>
             </a:pPr>
             <a:r>
-              <a:rPr lang="it-IT" sz="1400" dirty="0"/>
+              <a:rPr lang="it-IT" sz="1600" dirty="0"/>
               <a:t>Il codice è architettato per avere una struttura gerarchica di questo tipo:</a:t>
             </a:r>
           </a:p>
@@ -7605,7 +7680,7 @@
               <a:buChar char="•"/>
             </a:pPr>
             <a:r>
-              <a:rPr lang="it-IT" sz="1400" dirty="0"/>
+              <a:rPr lang="it-IT" sz="1600" dirty="0"/>
               <a:t>Gioco </a:t>
             </a:r>
           </a:p>
@@ -7618,7 +7693,7 @@
               <a:buChar char="•"/>
             </a:pPr>
             <a:r>
-              <a:rPr lang="it-IT" sz="1400" dirty="0" err="1">
+              <a:rPr lang="it-IT" sz="1600" dirty="0" err="1">
                 <a:solidFill>
                   <a:schemeClr val="tx1"/>
                 </a:solidFill>
@@ -7626,7 +7701,7 @@
               <a:t>GameManager</a:t>
             </a:r>
             <a:r>
-              <a:rPr lang="it-IT" sz="1400" dirty="0">
+              <a:rPr lang="it-IT" sz="1600" dirty="0">
                 <a:solidFill>
                   <a:schemeClr val="tx1"/>
                 </a:solidFill>
@@ -7643,10 +7718,10 @@
               <a:buChar char="•"/>
             </a:pPr>
             <a:r>
-              <a:rPr lang="it-IT" sz="1400" dirty="0" err="1"/>
+              <a:rPr lang="it-IT" sz="1600" dirty="0" err="1"/>
               <a:t>CollisionManager</a:t>
             </a:r>
-            <a:endParaRPr lang="it-IT" sz="1400" dirty="0"/>
+            <a:endParaRPr lang="it-IT" sz="1600" dirty="0"/>
           </a:p>
           <a:p>
             <a:pPr marL="1143000" lvl="2" indent="-228600">
@@ -7657,10 +7732,10 @@
               <a:buChar char="•"/>
             </a:pPr>
             <a:r>
-              <a:rPr lang="it-IT" sz="1400" dirty="0" err="1"/>
+              <a:rPr lang="it-IT" sz="1600" dirty="0" err="1"/>
               <a:t>GameUI</a:t>
             </a:r>
-            <a:endParaRPr lang="it-IT" sz="1400" dirty="0"/>
+            <a:endParaRPr lang="it-IT" sz="1600" dirty="0"/>
           </a:p>
           <a:p>
             <a:pPr marL="1143000" lvl="2" indent="-228600">
@@ -7671,10 +7746,10 @@
               <a:buChar char="•"/>
             </a:pPr>
             <a:r>
-              <a:rPr lang="it-IT" sz="1400" dirty="0" err="1"/>
+              <a:rPr lang="it-IT" sz="1600" dirty="0" err="1"/>
               <a:t>VeicoloManager</a:t>
             </a:r>
-            <a:endParaRPr lang="it-IT" sz="1400" dirty="0"/>
+            <a:endParaRPr lang="it-IT" sz="1600" dirty="0"/>
           </a:p>
           <a:p>
             <a:pPr marL="1143000" lvl="2" indent="-228600">
@@ -7685,10 +7760,10 @@
               <a:buChar char="•"/>
             </a:pPr>
             <a:r>
-              <a:rPr lang="it-IT" sz="1400" dirty="0" err="1"/>
+              <a:rPr lang="it-IT" sz="1600" dirty="0" err="1"/>
               <a:t>ObstacleManager</a:t>
             </a:r>
-            <a:endParaRPr lang="it-IT" sz="1400" dirty="0"/>
+            <a:endParaRPr lang="it-IT" sz="1600" dirty="0"/>
           </a:p>
           <a:p>
             <a:pPr marL="1143000" lvl="2" indent="-228600">
@@ -7699,7 +7774,7 @@
               <a:buChar char="•"/>
             </a:pPr>
             <a:r>
-              <a:rPr lang="it-IT" sz="1400" dirty="0"/>
+              <a:rPr lang="it-IT" sz="1600" dirty="0"/>
               <a:t>Radiocomando</a:t>
             </a:r>
           </a:p>
@@ -7712,11 +7787,11 @@
               <a:buChar char="•"/>
             </a:pPr>
             <a:r>
-              <a:rPr lang="it-IT" sz="1400" dirty="0" err="1"/>
+              <a:rPr lang="it-IT" sz="1600" dirty="0" err="1"/>
               <a:t>GameField</a:t>
             </a:r>
             <a:r>
-              <a:rPr lang="it-IT" sz="1400" dirty="0"/>
+              <a:rPr lang="it-IT" sz="1600" dirty="0"/>
               <a:t> </a:t>
             </a:r>
           </a:p>
@@ -7729,7 +7804,7 @@
               <a:buChar char="•"/>
             </a:pPr>
             <a:r>
-              <a:rPr lang="it-IT" sz="1400" i="0" dirty="0">
+              <a:rPr lang="it-IT" sz="1600" i="0" dirty="0">
                 <a:solidFill>
                   <a:schemeClr val="tx1"/>
                 </a:solidFill>
@@ -7746,7 +7821,7 @@
               <a:buChar char="•"/>
             </a:pPr>
             <a:r>
-              <a:rPr lang="it-IT" sz="1400" i="0" dirty="0">
+              <a:rPr lang="it-IT" sz="1600" i="0" dirty="0">
                 <a:solidFill>
                   <a:schemeClr val="tx1"/>
                 </a:solidFill>
@@ -7805,13 +7880,13 @@
   <p:clrMapOvr>
     <a:masterClrMapping/>
   </p:clrMapOvr>
-  <mc:AlternateContent xmlns:mc="http://schemas.openxmlformats.org/markup-compatibility/2006">
-    <mc:Choice xmlns:p159="http://schemas.microsoft.com/office/powerpoint/2015/09/main" Requires="p159">
+  <mc:AlternateContent xmlns:mc="http://schemas.openxmlformats.org/markup-compatibility/2006" xmlns:p159="http://schemas.microsoft.com/office/powerpoint/2015/09/main">
+    <mc:Choice Requires="p159">
       <p:transition xmlns:p14="http://schemas.microsoft.com/office/powerpoint/2010/main" spd="slow" p14:dur="2000">
         <p159:morph option="byObject"/>
       </p:transition>
     </mc:Choice>
-    <mc:Fallback>
+    <mc:Fallback xmlns="">
       <p:transition spd="slow">
         <p:fade/>
       </p:transition>
@@ -7853,7 +7928,12 @@
             <p:ph type="title"/>
           </p:nvPr>
         </p:nvSpPr>
-        <p:spPr/>
+        <p:spPr>
+          <a:xfrm>
+            <a:off x="1530096" y="1039268"/>
+            <a:ext cx="9144000" cy="1344168"/>
+          </a:xfrm>
+        </p:spPr>
         <p:txBody>
           <a:bodyPr/>
           <a:lstStyle/>
@@ -7879,11 +7959,16 @@
           </p:cNvGraphicFramePr>
           <p:nvPr>
             <p:ph idx="1"/>
+            <p:extLst>
+              <p:ext uri="{D42A27DB-BD31-4B8C-83A1-F6EECF244321}">
+                <p14:modId xmlns:p14="http://schemas.microsoft.com/office/powerpoint/2010/main" val="1506542121"/>
+              </p:ext>
+            </p:extLst>
           </p:nvPr>
         </p:nvGraphicFramePr>
         <p:xfrm>
-          <a:off x="1517904" y="2971800"/>
-          <a:ext cx="9144000" cy="3127248"/>
+          <a:off x="1517904" y="1873771"/>
+          <a:ext cx="9144000" cy="3582650"/>
         </p:xfrm>
         <a:graphic>
           <a:graphicData uri="http://schemas.openxmlformats.org/drawingml/2006/diagram">
@@ -7901,13 +7986,13 @@
   <p:clrMapOvr>
     <a:masterClrMapping/>
   </p:clrMapOvr>
-  <mc:AlternateContent xmlns:mc="http://schemas.openxmlformats.org/markup-compatibility/2006">
-    <mc:Choice xmlns:p159="http://schemas.microsoft.com/office/powerpoint/2015/09/main" Requires="p159">
+  <mc:AlternateContent xmlns:mc="http://schemas.openxmlformats.org/markup-compatibility/2006" xmlns:p159="http://schemas.microsoft.com/office/powerpoint/2015/09/main">
+    <mc:Choice Requires="p159">
       <p:transition xmlns:p14="http://schemas.microsoft.com/office/powerpoint/2010/main" spd="slow" p14:dur="2000">
         <p159:morph option="byObject"/>
       </p:transition>
     </mc:Choice>
-    <mc:Fallback>
+    <mc:Fallback xmlns="">
       <p:transition spd="slow">
         <p:fade/>
       </p:transition>
